--- a/ppt 16-9/1558.我需要有祢在我.pptx
+++ b/ppt 16-9/1558.我需要有祢在我.pptx
@@ -129,7 +129,7 @@
           <p:cNvPr id="2" name="标题 1">
             <a:extLst>
               <a:ext uri="{FF2B5EF4-FFF2-40B4-BE49-F238E27FC236}">
-                <a16:creationId xmlns:a16="http://schemas.microsoft.com/office/drawing/2014/main" id="{DD837B36-0765-BCE0-CD81-ADE774523A24}"/>
+                <a16:creationId xmlns:a16="http://schemas.microsoft.com/office/drawing/2014/main" id="{C0081850-15DD-5CA6-B3AC-02E35121AAF9}"/>
               </a:ext>
             </a:extLst>
           </p:cNvPr>
@@ -166,7 +166,7 @@
           <p:cNvPr id="3" name="副标题 2">
             <a:extLst>
               <a:ext uri="{FF2B5EF4-FFF2-40B4-BE49-F238E27FC236}">
-                <a16:creationId xmlns:a16="http://schemas.microsoft.com/office/drawing/2014/main" id="{B1DFB167-87F6-FB75-C89C-EEDC94D6B516}"/>
+                <a16:creationId xmlns:a16="http://schemas.microsoft.com/office/drawing/2014/main" id="{81A7C3B7-F19E-5181-7A98-25B865A32AEA}"/>
               </a:ext>
             </a:extLst>
           </p:cNvPr>
@@ -236,7 +236,7 @@
           <p:cNvPr id="4" name="日期占位符 3">
             <a:extLst>
               <a:ext uri="{FF2B5EF4-FFF2-40B4-BE49-F238E27FC236}">
-                <a16:creationId xmlns:a16="http://schemas.microsoft.com/office/drawing/2014/main" id="{317524AA-BC38-A928-9463-36B4036EB87F}"/>
+                <a16:creationId xmlns:a16="http://schemas.microsoft.com/office/drawing/2014/main" id="{5A99D5E8-06DE-5484-AD48-5F4DD0419F51}"/>
               </a:ext>
             </a:extLst>
           </p:cNvPr>
@@ -252,7 +252,7 @@
           <a:bodyPr/>
           <a:lstStyle/>
           <a:p>
-            <a:fld id="{62C3E0CF-8595-4BBD-A0BE-3C9502F5F71F}" type="datetimeFigureOut">
+            <a:fld id="{BA2D159C-1B8F-49FC-9B17-B0B346550129}" type="datetimeFigureOut">
               <a:rPr lang="zh-CN" altLang="en-US" smtClean="0"/>
               <a:t>2024/3/10</a:t>
             </a:fld>
@@ -265,7 +265,7 @@
           <p:cNvPr id="5" name="页脚占位符 4">
             <a:extLst>
               <a:ext uri="{FF2B5EF4-FFF2-40B4-BE49-F238E27FC236}">
-                <a16:creationId xmlns:a16="http://schemas.microsoft.com/office/drawing/2014/main" id="{47F70CB1-D080-0FF2-888D-7142ECA0E753}"/>
+                <a16:creationId xmlns:a16="http://schemas.microsoft.com/office/drawing/2014/main" id="{D60FC449-4E5B-63B1-F9B9-30A94EB8A058}"/>
               </a:ext>
             </a:extLst>
           </p:cNvPr>
@@ -290,7 +290,7 @@
           <p:cNvPr id="6" name="灯片编号占位符 5">
             <a:extLst>
               <a:ext uri="{FF2B5EF4-FFF2-40B4-BE49-F238E27FC236}">
-                <a16:creationId xmlns:a16="http://schemas.microsoft.com/office/drawing/2014/main" id="{5839ED56-771E-0B57-86C3-503C7866CDFC}"/>
+                <a16:creationId xmlns:a16="http://schemas.microsoft.com/office/drawing/2014/main" id="{1F46F285-92FC-AD16-0D55-4D905F8350FC}"/>
               </a:ext>
             </a:extLst>
           </p:cNvPr>
@@ -306,7 +306,7 @@
           <a:bodyPr/>
           <a:lstStyle/>
           <a:p>
-            <a:fld id="{F83B958D-7B2C-4FAD-9C31-58046C2777B7}" type="slidenum">
+            <a:fld id="{B9F483D4-4BD8-44A4-85A5-B55E473A115E}" type="slidenum">
               <a:rPr lang="zh-CN" altLang="en-US" smtClean="0"/>
               <a:t>‹#›</a:t>
             </a:fld>
@@ -317,7 +317,7 @@
     </p:spTree>
     <p:extLst>
       <p:ext uri="{BB962C8B-B14F-4D97-AF65-F5344CB8AC3E}">
-        <p14:creationId xmlns:p14="http://schemas.microsoft.com/office/powerpoint/2010/main" val="635433169"/>
+        <p14:creationId xmlns:p14="http://schemas.microsoft.com/office/powerpoint/2010/main" val="1651802020"/>
       </p:ext>
     </p:extLst>
   </p:cSld>
@@ -349,7 +349,7 @@
           <p:cNvPr id="2" name="标题 1">
             <a:extLst>
               <a:ext uri="{FF2B5EF4-FFF2-40B4-BE49-F238E27FC236}">
-                <a16:creationId xmlns:a16="http://schemas.microsoft.com/office/drawing/2014/main" id="{FDE055FE-79D2-B1B5-B38B-418CD18816BB}"/>
+                <a16:creationId xmlns:a16="http://schemas.microsoft.com/office/drawing/2014/main" id="{E00F91AC-2183-8917-E2C0-CCEDAFDB080C}"/>
               </a:ext>
             </a:extLst>
           </p:cNvPr>
@@ -377,7 +377,7 @@
           <p:cNvPr id="3" name="竖排文字占位符 2">
             <a:extLst>
               <a:ext uri="{FF2B5EF4-FFF2-40B4-BE49-F238E27FC236}">
-                <a16:creationId xmlns:a16="http://schemas.microsoft.com/office/drawing/2014/main" id="{3998AF72-1D52-9827-0227-D0A9B21B7558}"/>
+                <a16:creationId xmlns:a16="http://schemas.microsoft.com/office/drawing/2014/main" id="{E57F0221-A31F-F146-DECC-63C9C90C9E4D}"/>
               </a:ext>
             </a:extLst>
           </p:cNvPr>
@@ -434,7 +434,7 @@
           <p:cNvPr id="4" name="日期占位符 3">
             <a:extLst>
               <a:ext uri="{FF2B5EF4-FFF2-40B4-BE49-F238E27FC236}">
-                <a16:creationId xmlns:a16="http://schemas.microsoft.com/office/drawing/2014/main" id="{5C22C9E8-4FBC-CADF-0297-49EE31DE3B3D}"/>
+                <a16:creationId xmlns:a16="http://schemas.microsoft.com/office/drawing/2014/main" id="{48BCAFE2-52A9-B127-0E07-7E0620A5FF75}"/>
               </a:ext>
             </a:extLst>
           </p:cNvPr>
@@ -450,7 +450,7 @@
           <a:bodyPr/>
           <a:lstStyle/>
           <a:p>
-            <a:fld id="{62C3E0CF-8595-4BBD-A0BE-3C9502F5F71F}" type="datetimeFigureOut">
+            <a:fld id="{BA2D159C-1B8F-49FC-9B17-B0B346550129}" type="datetimeFigureOut">
               <a:rPr lang="zh-CN" altLang="en-US" smtClean="0"/>
               <a:t>2024/3/10</a:t>
             </a:fld>
@@ -463,7 +463,7 @@
           <p:cNvPr id="5" name="页脚占位符 4">
             <a:extLst>
               <a:ext uri="{FF2B5EF4-FFF2-40B4-BE49-F238E27FC236}">
-                <a16:creationId xmlns:a16="http://schemas.microsoft.com/office/drawing/2014/main" id="{613EA944-0B10-3BD2-B50E-8CCC5F30159B}"/>
+                <a16:creationId xmlns:a16="http://schemas.microsoft.com/office/drawing/2014/main" id="{629C2F6E-B164-64C6-ABD9-FC716DE6DD23}"/>
               </a:ext>
             </a:extLst>
           </p:cNvPr>
@@ -488,7 +488,7 @@
           <p:cNvPr id="6" name="灯片编号占位符 5">
             <a:extLst>
               <a:ext uri="{FF2B5EF4-FFF2-40B4-BE49-F238E27FC236}">
-                <a16:creationId xmlns:a16="http://schemas.microsoft.com/office/drawing/2014/main" id="{9D34BB05-26F5-8631-4E97-0B081DAF67BE}"/>
+                <a16:creationId xmlns:a16="http://schemas.microsoft.com/office/drawing/2014/main" id="{76328196-83A6-4A87-7AD3-B3FD19A299EF}"/>
               </a:ext>
             </a:extLst>
           </p:cNvPr>
@@ -504,7 +504,7 @@
           <a:bodyPr/>
           <a:lstStyle/>
           <a:p>
-            <a:fld id="{F83B958D-7B2C-4FAD-9C31-58046C2777B7}" type="slidenum">
+            <a:fld id="{B9F483D4-4BD8-44A4-85A5-B55E473A115E}" type="slidenum">
               <a:rPr lang="zh-CN" altLang="en-US" smtClean="0"/>
               <a:t>‹#›</a:t>
             </a:fld>
@@ -515,7 +515,7 @@
     </p:spTree>
     <p:extLst>
       <p:ext uri="{BB962C8B-B14F-4D97-AF65-F5344CB8AC3E}">
-        <p14:creationId xmlns:p14="http://schemas.microsoft.com/office/powerpoint/2010/main" val="70650421"/>
+        <p14:creationId xmlns:p14="http://schemas.microsoft.com/office/powerpoint/2010/main" val="4097471475"/>
       </p:ext>
     </p:extLst>
   </p:cSld>
@@ -547,7 +547,7 @@
           <p:cNvPr id="2" name="竖排标题 1">
             <a:extLst>
               <a:ext uri="{FF2B5EF4-FFF2-40B4-BE49-F238E27FC236}">
-                <a16:creationId xmlns:a16="http://schemas.microsoft.com/office/drawing/2014/main" id="{529DF175-52E0-CCB7-5D23-2604B5B06E82}"/>
+                <a16:creationId xmlns:a16="http://schemas.microsoft.com/office/drawing/2014/main" id="{FE833037-BA04-193E-501D-046A8D8D45CC}"/>
               </a:ext>
             </a:extLst>
           </p:cNvPr>
@@ -580,7 +580,7 @@
           <p:cNvPr id="3" name="竖排文字占位符 2">
             <a:extLst>
               <a:ext uri="{FF2B5EF4-FFF2-40B4-BE49-F238E27FC236}">
-                <a16:creationId xmlns:a16="http://schemas.microsoft.com/office/drawing/2014/main" id="{D5671B93-F2FE-840A-6453-1632484642C2}"/>
+                <a16:creationId xmlns:a16="http://schemas.microsoft.com/office/drawing/2014/main" id="{7C022A9E-BAFB-2EBA-C414-0FBB547730E8}"/>
               </a:ext>
             </a:extLst>
           </p:cNvPr>
@@ -642,7 +642,7 @@
           <p:cNvPr id="4" name="日期占位符 3">
             <a:extLst>
               <a:ext uri="{FF2B5EF4-FFF2-40B4-BE49-F238E27FC236}">
-                <a16:creationId xmlns:a16="http://schemas.microsoft.com/office/drawing/2014/main" id="{CBA25979-FFF1-BEEE-051D-AE01EA822816}"/>
+                <a16:creationId xmlns:a16="http://schemas.microsoft.com/office/drawing/2014/main" id="{7F7351C8-BC1F-2AF3-F214-FA933E21B29F}"/>
               </a:ext>
             </a:extLst>
           </p:cNvPr>
@@ -658,7 +658,7 @@
           <a:bodyPr/>
           <a:lstStyle/>
           <a:p>
-            <a:fld id="{62C3E0CF-8595-4BBD-A0BE-3C9502F5F71F}" type="datetimeFigureOut">
+            <a:fld id="{BA2D159C-1B8F-49FC-9B17-B0B346550129}" type="datetimeFigureOut">
               <a:rPr lang="zh-CN" altLang="en-US" smtClean="0"/>
               <a:t>2024/3/10</a:t>
             </a:fld>
@@ -671,7 +671,7 @@
           <p:cNvPr id="5" name="页脚占位符 4">
             <a:extLst>
               <a:ext uri="{FF2B5EF4-FFF2-40B4-BE49-F238E27FC236}">
-                <a16:creationId xmlns:a16="http://schemas.microsoft.com/office/drawing/2014/main" id="{1ECB9A81-FD30-1E67-0D9D-C5D3E738E52E}"/>
+                <a16:creationId xmlns:a16="http://schemas.microsoft.com/office/drawing/2014/main" id="{9F5E753F-4BD9-7293-B438-DEAD5840E0B9}"/>
               </a:ext>
             </a:extLst>
           </p:cNvPr>
@@ -696,7 +696,7 @@
           <p:cNvPr id="6" name="灯片编号占位符 5">
             <a:extLst>
               <a:ext uri="{FF2B5EF4-FFF2-40B4-BE49-F238E27FC236}">
-                <a16:creationId xmlns:a16="http://schemas.microsoft.com/office/drawing/2014/main" id="{7E35A82B-1506-4661-5665-B4B485BB23EF}"/>
+                <a16:creationId xmlns:a16="http://schemas.microsoft.com/office/drawing/2014/main" id="{CC354468-8E85-1FC4-2282-4A78E02D760A}"/>
               </a:ext>
             </a:extLst>
           </p:cNvPr>
@@ -712,7 +712,7 @@
           <a:bodyPr/>
           <a:lstStyle/>
           <a:p>
-            <a:fld id="{F83B958D-7B2C-4FAD-9C31-58046C2777B7}" type="slidenum">
+            <a:fld id="{B9F483D4-4BD8-44A4-85A5-B55E473A115E}" type="slidenum">
               <a:rPr lang="zh-CN" altLang="en-US" smtClean="0"/>
               <a:t>‹#›</a:t>
             </a:fld>
@@ -723,7 +723,7 @@
     </p:spTree>
     <p:extLst>
       <p:ext uri="{BB962C8B-B14F-4D97-AF65-F5344CB8AC3E}">
-        <p14:creationId xmlns:p14="http://schemas.microsoft.com/office/powerpoint/2010/main" val="1568004940"/>
+        <p14:creationId xmlns:p14="http://schemas.microsoft.com/office/powerpoint/2010/main" val="2237410430"/>
       </p:ext>
     </p:extLst>
   </p:cSld>
@@ -755,7 +755,7 @@
           <p:cNvPr id="2" name="标题 1">
             <a:extLst>
               <a:ext uri="{FF2B5EF4-FFF2-40B4-BE49-F238E27FC236}">
-                <a16:creationId xmlns:a16="http://schemas.microsoft.com/office/drawing/2014/main" id="{3B4A110E-E812-C427-A82E-4CA5FB1AF6C5}"/>
+                <a16:creationId xmlns:a16="http://schemas.microsoft.com/office/drawing/2014/main" id="{977192EA-E0C5-76C3-D518-9AF991EB8B6A}"/>
               </a:ext>
             </a:extLst>
           </p:cNvPr>
@@ -783,7 +783,7 @@
           <p:cNvPr id="3" name="内容占位符 2">
             <a:extLst>
               <a:ext uri="{FF2B5EF4-FFF2-40B4-BE49-F238E27FC236}">
-                <a16:creationId xmlns:a16="http://schemas.microsoft.com/office/drawing/2014/main" id="{A6E07984-22C4-7B53-9D04-F8AD7C020E35}"/>
+                <a16:creationId xmlns:a16="http://schemas.microsoft.com/office/drawing/2014/main" id="{71FAD3B8-B136-552F-15E2-36F24C4FDFF5}"/>
               </a:ext>
             </a:extLst>
           </p:cNvPr>
@@ -840,7 +840,7 @@
           <p:cNvPr id="4" name="日期占位符 3">
             <a:extLst>
               <a:ext uri="{FF2B5EF4-FFF2-40B4-BE49-F238E27FC236}">
-                <a16:creationId xmlns:a16="http://schemas.microsoft.com/office/drawing/2014/main" id="{9264864D-9713-DA0E-E189-5EC545D4BB3F}"/>
+                <a16:creationId xmlns:a16="http://schemas.microsoft.com/office/drawing/2014/main" id="{A8F2FF75-0A9D-7AA7-6528-E9014A837B3D}"/>
               </a:ext>
             </a:extLst>
           </p:cNvPr>
@@ -856,7 +856,7 @@
           <a:bodyPr/>
           <a:lstStyle/>
           <a:p>
-            <a:fld id="{62C3E0CF-8595-4BBD-A0BE-3C9502F5F71F}" type="datetimeFigureOut">
+            <a:fld id="{BA2D159C-1B8F-49FC-9B17-B0B346550129}" type="datetimeFigureOut">
               <a:rPr lang="zh-CN" altLang="en-US" smtClean="0"/>
               <a:t>2024/3/10</a:t>
             </a:fld>
@@ -869,7 +869,7 @@
           <p:cNvPr id="5" name="页脚占位符 4">
             <a:extLst>
               <a:ext uri="{FF2B5EF4-FFF2-40B4-BE49-F238E27FC236}">
-                <a16:creationId xmlns:a16="http://schemas.microsoft.com/office/drawing/2014/main" id="{275D5CEB-49E9-5FEA-BE34-E61614F21A2E}"/>
+                <a16:creationId xmlns:a16="http://schemas.microsoft.com/office/drawing/2014/main" id="{0D9D7655-F4F1-0293-29D8-C56A6DDBB50F}"/>
               </a:ext>
             </a:extLst>
           </p:cNvPr>
@@ -894,7 +894,7 @@
           <p:cNvPr id="6" name="灯片编号占位符 5">
             <a:extLst>
               <a:ext uri="{FF2B5EF4-FFF2-40B4-BE49-F238E27FC236}">
-                <a16:creationId xmlns:a16="http://schemas.microsoft.com/office/drawing/2014/main" id="{CD64E60B-C65B-CE24-FBF6-CC25910FEA9A}"/>
+                <a16:creationId xmlns:a16="http://schemas.microsoft.com/office/drawing/2014/main" id="{1732C5F3-9764-53CE-9DE0-C89B42245BF0}"/>
               </a:ext>
             </a:extLst>
           </p:cNvPr>
@@ -910,7 +910,7 @@
           <a:bodyPr/>
           <a:lstStyle/>
           <a:p>
-            <a:fld id="{F83B958D-7B2C-4FAD-9C31-58046C2777B7}" type="slidenum">
+            <a:fld id="{B9F483D4-4BD8-44A4-85A5-B55E473A115E}" type="slidenum">
               <a:rPr lang="zh-CN" altLang="en-US" smtClean="0"/>
               <a:t>‹#›</a:t>
             </a:fld>
@@ -921,7 +921,7 @@
     </p:spTree>
     <p:extLst>
       <p:ext uri="{BB962C8B-B14F-4D97-AF65-F5344CB8AC3E}">
-        <p14:creationId xmlns:p14="http://schemas.microsoft.com/office/powerpoint/2010/main" val="1581382729"/>
+        <p14:creationId xmlns:p14="http://schemas.microsoft.com/office/powerpoint/2010/main" val="86718432"/>
       </p:ext>
     </p:extLst>
   </p:cSld>
@@ -953,7 +953,7 @@
           <p:cNvPr id="2" name="标题 1">
             <a:extLst>
               <a:ext uri="{FF2B5EF4-FFF2-40B4-BE49-F238E27FC236}">
-                <a16:creationId xmlns:a16="http://schemas.microsoft.com/office/drawing/2014/main" id="{2182B123-982E-DAA1-849D-11866D19BD7A}"/>
+                <a16:creationId xmlns:a16="http://schemas.microsoft.com/office/drawing/2014/main" id="{36E69ED0-18A6-BA44-9910-E5AAF9388A02}"/>
               </a:ext>
             </a:extLst>
           </p:cNvPr>
@@ -990,7 +990,7 @@
           <p:cNvPr id="3" name="文本占位符 2">
             <a:extLst>
               <a:ext uri="{FF2B5EF4-FFF2-40B4-BE49-F238E27FC236}">
-                <a16:creationId xmlns:a16="http://schemas.microsoft.com/office/drawing/2014/main" id="{09DFEEF2-9004-8B27-13B4-969F81FAD3D9}"/>
+                <a16:creationId xmlns:a16="http://schemas.microsoft.com/office/drawing/2014/main" id="{4180D630-7FA5-F1FD-D3EA-2E6F35C7D3D2}"/>
               </a:ext>
             </a:extLst>
           </p:cNvPr>
@@ -1115,7 +1115,7 @@
           <p:cNvPr id="4" name="日期占位符 3">
             <a:extLst>
               <a:ext uri="{FF2B5EF4-FFF2-40B4-BE49-F238E27FC236}">
-                <a16:creationId xmlns:a16="http://schemas.microsoft.com/office/drawing/2014/main" id="{75A18982-730A-2909-E7D2-E7DAFFAA6010}"/>
+                <a16:creationId xmlns:a16="http://schemas.microsoft.com/office/drawing/2014/main" id="{5B6F5B59-3305-75A7-6274-76FF36C7BB65}"/>
               </a:ext>
             </a:extLst>
           </p:cNvPr>
@@ -1131,7 +1131,7 @@
           <a:bodyPr/>
           <a:lstStyle/>
           <a:p>
-            <a:fld id="{62C3E0CF-8595-4BBD-A0BE-3C9502F5F71F}" type="datetimeFigureOut">
+            <a:fld id="{BA2D159C-1B8F-49FC-9B17-B0B346550129}" type="datetimeFigureOut">
               <a:rPr lang="zh-CN" altLang="en-US" smtClean="0"/>
               <a:t>2024/3/10</a:t>
             </a:fld>
@@ -1144,7 +1144,7 @@
           <p:cNvPr id="5" name="页脚占位符 4">
             <a:extLst>
               <a:ext uri="{FF2B5EF4-FFF2-40B4-BE49-F238E27FC236}">
-                <a16:creationId xmlns:a16="http://schemas.microsoft.com/office/drawing/2014/main" id="{33735041-2D54-08E8-47E0-63793AD7DEC9}"/>
+                <a16:creationId xmlns:a16="http://schemas.microsoft.com/office/drawing/2014/main" id="{612F2B3D-BDF0-C241-5323-EDF35278FF56}"/>
               </a:ext>
             </a:extLst>
           </p:cNvPr>
@@ -1169,7 +1169,7 @@
           <p:cNvPr id="6" name="灯片编号占位符 5">
             <a:extLst>
               <a:ext uri="{FF2B5EF4-FFF2-40B4-BE49-F238E27FC236}">
-                <a16:creationId xmlns:a16="http://schemas.microsoft.com/office/drawing/2014/main" id="{95D3232E-5F46-8895-CBE3-78790425A185}"/>
+                <a16:creationId xmlns:a16="http://schemas.microsoft.com/office/drawing/2014/main" id="{A6FDB32F-D2DA-26DF-A8E2-5B2661A9E4C2}"/>
               </a:ext>
             </a:extLst>
           </p:cNvPr>
@@ -1185,7 +1185,7 @@
           <a:bodyPr/>
           <a:lstStyle/>
           <a:p>
-            <a:fld id="{F83B958D-7B2C-4FAD-9C31-58046C2777B7}" type="slidenum">
+            <a:fld id="{B9F483D4-4BD8-44A4-85A5-B55E473A115E}" type="slidenum">
               <a:rPr lang="zh-CN" altLang="en-US" smtClean="0"/>
               <a:t>‹#›</a:t>
             </a:fld>
@@ -1196,7 +1196,7 @@
     </p:spTree>
     <p:extLst>
       <p:ext uri="{BB962C8B-B14F-4D97-AF65-F5344CB8AC3E}">
-        <p14:creationId xmlns:p14="http://schemas.microsoft.com/office/powerpoint/2010/main" val="263940281"/>
+        <p14:creationId xmlns:p14="http://schemas.microsoft.com/office/powerpoint/2010/main" val="2767183365"/>
       </p:ext>
     </p:extLst>
   </p:cSld>
@@ -1228,7 +1228,7 @@
           <p:cNvPr id="2" name="标题 1">
             <a:extLst>
               <a:ext uri="{FF2B5EF4-FFF2-40B4-BE49-F238E27FC236}">
-                <a16:creationId xmlns:a16="http://schemas.microsoft.com/office/drawing/2014/main" id="{0C3B7BEA-1EE6-D6D0-357D-50FAD0D21EBA}"/>
+                <a16:creationId xmlns:a16="http://schemas.microsoft.com/office/drawing/2014/main" id="{1DA41F14-F5EF-5963-5C0A-481349505993}"/>
               </a:ext>
             </a:extLst>
           </p:cNvPr>
@@ -1256,7 +1256,7 @@
           <p:cNvPr id="3" name="内容占位符 2">
             <a:extLst>
               <a:ext uri="{FF2B5EF4-FFF2-40B4-BE49-F238E27FC236}">
-                <a16:creationId xmlns:a16="http://schemas.microsoft.com/office/drawing/2014/main" id="{0666D13C-EF8C-1F42-A3E2-1CDCBFE1120D}"/>
+                <a16:creationId xmlns:a16="http://schemas.microsoft.com/office/drawing/2014/main" id="{1AAF267A-E9E6-3A14-420D-267D18DF6385}"/>
               </a:ext>
             </a:extLst>
           </p:cNvPr>
@@ -1318,7 +1318,7 @@
           <p:cNvPr id="4" name="内容占位符 3">
             <a:extLst>
               <a:ext uri="{FF2B5EF4-FFF2-40B4-BE49-F238E27FC236}">
-                <a16:creationId xmlns:a16="http://schemas.microsoft.com/office/drawing/2014/main" id="{4A735D06-FFF1-909C-7F2D-F4EC872DCFCA}"/>
+                <a16:creationId xmlns:a16="http://schemas.microsoft.com/office/drawing/2014/main" id="{434FEDE6-D308-1628-A483-DADB76A18D3A}"/>
               </a:ext>
             </a:extLst>
           </p:cNvPr>
@@ -1380,7 +1380,7 @@
           <p:cNvPr id="5" name="日期占位符 4">
             <a:extLst>
               <a:ext uri="{FF2B5EF4-FFF2-40B4-BE49-F238E27FC236}">
-                <a16:creationId xmlns:a16="http://schemas.microsoft.com/office/drawing/2014/main" id="{87989631-1FF7-E32D-3023-D771C59083DF}"/>
+                <a16:creationId xmlns:a16="http://schemas.microsoft.com/office/drawing/2014/main" id="{B6EC9C69-20B1-524C-F4D2-FD4DABB2EBA3}"/>
               </a:ext>
             </a:extLst>
           </p:cNvPr>
@@ -1396,7 +1396,7 @@
           <a:bodyPr/>
           <a:lstStyle/>
           <a:p>
-            <a:fld id="{62C3E0CF-8595-4BBD-A0BE-3C9502F5F71F}" type="datetimeFigureOut">
+            <a:fld id="{BA2D159C-1B8F-49FC-9B17-B0B346550129}" type="datetimeFigureOut">
               <a:rPr lang="zh-CN" altLang="en-US" smtClean="0"/>
               <a:t>2024/3/10</a:t>
             </a:fld>
@@ -1409,7 +1409,7 @@
           <p:cNvPr id="6" name="页脚占位符 5">
             <a:extLst>
               <a:ext uri="{FF2B5EF4-FFF2-40B4-BE49-F238E27FC236}">
-                <a16:creationId xmlns:a16="http://schemas.microsoft.com/office/drawing/2014/main" id="{B8C18930-5FBB-3D20-028E-87814A7F2EF8}"/>
+                <a16:creationId xmlns:a16="http://schemas.microsoft.com/office/drawing/2014/main" id="{A83FCB81-1EFA-8600-97C8-BBED27C75D46}"/>
               </a:ext>
             </a:extLst>
           </p:cNvPr>
@@ -1434,7 +1434,7 @@
           <p:cNvPr id="7" name="灯片编号占位符 6">
             <a:extLst>
               <a:ext uri="{FF2B5EF4-FFF2-40B4-BE49-F238E27FC236}">
-                <a16:creationId xmlns:a16="http://schemas.microsoft.com/office/drawing/2014/main" id="{13FACAC6-7D55-B96B-7BEF-CE5C4C691D00}"/>
+                <a16:creationId xmlns:a16="http://schemas.microsoft.com/office/drawing/2014/main" id="{FEBF7181-3580-B6C3-A881-4861D3C7AEBD}"/>
               </a:ext>
             </a:extLst>
           </p:cNvPr>
@@ -1450,7 +1450,7 @@
           <a:bodyPr/>
           <a:lstStyle/>
           <a:p>
-            <a:fld id="{F83B958D-7B2C-4FAD-9C31-58046C2777B7}" type="slidenum">
+            <a:fld id="{B9F483D4-4BD8-44A4-85A5-B55E473A115E}" type="slidenum">
               <a:rPr lang="zh-CN" altLang="en-US" smtClean="0"/>
               <a:t>‹#›</a:t>
             </a:fld>
@@ -1461,7 +1461,7 @@
     </p:spTree>
     <p:extLst>
       <p:ext uri="{BB962C8B-B14F-4D97-AF65-F5344CB8AC3E}">
-        <p14:creationId xmlns:p14="http://schemas.microsoft.com/office/powerpoint/2010/main" val="3948772848"/>
+        <p14:creationId xmlns:p14="http://schemas.microsoft.com/office/powerpoint/2010/main" val="3033808117"/>
       </p:ext>
     </p:extLst>
   </p:cSld>
@@ -1493,7 +1493,7 @@
           <p:cNvPr id="2" name="标题 1">
             <a:extLst>
               <a:ext uri="{FF2B5EF4-FFF2-40B4-BE49-F238E27FC236}">
-                <a16:creationId xmlns:a16="http://schemas.microsoft.com/office/drawing/2014/main" id="{15A94FCF-C4AA-180A-F889-7F235C11904B}"/>
+                <a16:creationId xmlns:a16="http://schemas.microsoft.com/office/drawing/2014/main" id="{FC75872C-21C7-26AD-4BCE-0E6F97D44F02}"/>
               </a:ext>
             </a:extLst>
           </p:cNvPr>
@@ -1526,7 +1526,7 @@
           <p:cNvPr id="3" name="文本占位符 2">
             <a:extLst>
               <a:ext uri="{FF2B5EF4-FFF2-40B4-BE49-F238E27FC236}">
-                <a16:creationId xmlns:a16="http://schemas.microsoft.com/office/drawing/2014/main" id="{BFBEA2FC-43A8-6ACF-55B1-99F29D03DF09}"/>
+                <a16:creationId xmlns:a16="http://schemas.microsoft.com/office/drawing/2014/main" id="{234466A8-2309-6DA1-CA8D-D788B62D973E}"/>
               </a:ext>
             </a:extLst>
           </p:cNvPr>
@@ -1597,7 +1597,7 @@
           <p:cNvPr id="4" name="内容占位符 3">
             <a:extLst>
               <a:ext uri="{FF2B5EF4-FFF2-40B4-BE49-F238E27FC236}">
-                <a16:creationId xmlns:a16="http://schemas.microsoft.com/office/drawing/2014/main" id="{2E9E37C1-E42F-359C-9DE6-7D406BEA7704}"/>
+                <a16:creationId xmlns:a16="http://schemas.microsoft.com/office/drawing/2014/main" id="{2F2FD3AC-411E-05B8-9BA6-A1A471E5B78E}"/>
               </a:ext>
             </a:extLst>
           </p:cNvPr>
@@ -1659,7 +1659,7 @@
           <p:cNvPr id="5" name="文本占位符 4">
             <a:extLst>
               <a:ext uri="{FF2B5EF4-FFF2-40B4-BE49-F238E27FC236}">
-                <a16:creationId xmlns:a16="http://schemas.microsoft.com/office/drawing/2014/main" id="{9F7C47B9-C3CF-BC93-290E-1F73EA94FE26}"/>
+                <a16:creationId xmlns:a16="http://schemas.microsoft.com/office/drawing/2014/main" id="{14938EE2-28EC-DD2A-4834-D7F65FE22053}"/>
               </a:ext>
             </a:extLst>
           </p:cNvPr>
@@ -1730,7 +1730,7 @@
           <p:cNvPr id="6" name="内容占位符 5">
             <a:extLst>
               <a:ext uri="{FF2B5EF4-FFF2-40B4-BE49-F238E27FC236}">
-                <a16:creationId xmlns:a16="http://schemas.microsoft.com/office/drawing/2014/main" id="{A289AF97-0C35-3050-2551-8D480CDE44AD}"/>
+                <a16:creationId xmlns:a16="http://schemas.microsoft.com/office/drawing/2014/main" id="{2036341D-7249-BDD9-3907-365F8A66A9F3}"/>
               </a:ext>
             </a:extLst>
           </p:cNvPr>
@@ -1792,7 +1792,7 @@
           <p:cNvPr id="7" name="日期占位符 6">
             <a:extLst>
               <a:ext uri="{FF2B5EF4-FFF2-40B4-BE49-F238E27FC236}">
-                <a16:creationId xmlns:a16="http://schemas.microsoft.com/office/drawing/2014/main" id="{C323E231-667A-DF9D-7196-A059F1C01A14}"/>
+                <a16:creationId xmlns:a16="http://schemas.microsoft.com/office/drawing/2014/main" id="{38279BA9-32B1-8A85-5075-BA78EE70D23D}"/>
               </a:ext>
             </a:extLst>
           </p:cNvPr>
@@ -1808,7 +1808,7 @@
           <a:bodyPr/>
           <a:lstStyle/>
           <a:p>
-            <a:fld id="{62C3E0CF-8595-4BBD-A0BE-3C9502F5F71F}" type="datetimeFigureOut">
+            <a:fld id="{BA2D159C-1B8F-49FC-9B17-B0B346550129}" type="datetimeFigureOut">
               <a:rPr lang="zh-CN" altLang="en-US" smtClean="0"/>
               <a:t>2024/3/10</a:t>
             </a:fld>
@@ -1821,7 +1821,7 @@
           <p:cNvPr id="8" name="页脚占位符 7">
             <a:extLst>
               <a:ext uri="{FF2B5EF4-FFF2-40B4-BE49-F238E27FC236}">
-                <a16:creationId xmlns:a16="http://schemas.microsoft.com/office/drawing/2014/main" id="{03B95988-F6D3-B0F7-5400-C036AF402CA7}"/>
+                <a16:creationId xmlns:a16="http://schemas.microsoft.com/office/drawing/2014/main" id="{C6B9F919-BBD5-A1F6-213A-F3A2556257E1}"/>
               </a:ext>
             </a:extLst>
           </p:cNvPr>
@@ -1846,7 +1846,7 @@
           <p:cNvPr id="9" name="灯片编号占位符 8">
             <a:extLst>
               <a:ext uri="{FF2B5EF4-FFF2-40B4-BE49-F238E27FC236}">
-                <a16:creationId xmlns:a16="http://schemas.microsoft.com/office/drawing/2014/main" id="{7522F448-5639-6D10-F53E-4C1AE11D0828}"/>
+                <a16:creationId xmlns:a16="http://schemas.microsoft.com/office/drawing/2014/main" id="{9CCFA227-F16A-D588-B1EC-ACED6119FF26}"/>
               </a:ext>
             </a:extLst>
           </p:cNvPr>
@@ -1862,7 +1862,7 @@
           <a:bodyPr/>
           <a:lstStyle/>
           <a:p>
-            <a:fld id="{F83B958D-7B2C-4FAD-9C31-58046C2777B7}" type="slidenum">
+            <a:fld id="{B9F483D4-4BD8-44A4-85A5-B55E473A115E}" type="slidenum">
               <a:rPr lang="zh-CN" altLang="en-US" smtClean="0"/>
               <a:t>‹#›</a:t>
             </a:fld>
@@ -1873,7 +1873,7 @@
     </p:spTree>
     <p:extLst>
       <p:ext uri="{BB962C8B-B14F-4D97-AF65-F5344CB8AC3E}">
-        <p14:creationId xmlns:p14="http://schemas.microsoft.com/office/powerpoint/2010/main" val="2168571983"/>
+        <p14:creationId xmlns:p14="http://schemas.microsoft.com/office/powerpoint/2010/main" val="2720437441"/>
       </p:ext>
     </p:extLst>
   </p:cSld>
@@ -1905,7 +1905,7 @@
           <p:cNvPr id="2" name="标题 1">
             <a:extLst>
               <a:ext uri="{FF2B5EF4-FFF2-40B4-BE49-F238E27FC236}">
-                <a16:creationId xmlns:a16="http://schemas.microsoft.com/office/drawing/2014/main" id="{4D0FFC4F-40FD-3AA0-9FD9-D3DA9EF792F4}"/>
+                <a16:creationId xmlns:a16="http://schemas.microsoft.com/office/drawing/2014/main" id="{DDDE0FA6-940F-413E-B38D-8CE3BD91F7A4}"/>
               </a:ext>
             </a:extLst>
           </p:cNvPr>
@@ -1933,7 +1933,7 @@
           <p:cNvPr id="3" name="日期占位符 2">
             <a:extLst>
               <a:ext uri="{FF2B5EF4-FFF2-40B4-BE49-F238E27FC236}">
-                <a16:creationId xmlns:a16="http://schemas.microsoft.com/office/drawing/2014/main" id="{86ED2FCD-7499-D2E1-7E3F-43DC36AE043E}"/>
+                <a16:creationId xmlns:a16="http://schemas.microsoft.com/office/drawing/2014/main" id="{D35194E2-7E0E-8B4F-68B2-91598AC0F04A}"/>
               </a:ext>
             </a:extLst>
           </p:cNvPr>
@@ -1949,7 +1949,7 @@
           <a:bodyPr/>
           <a:lstStyle/>
           <a:p>
-            <a:fld id="{62C3E0CF-8595-4BBD-A0BE-3C9502F5F71F}" type="datetimeFigureOut">
+            <a:fld id="{BA2D159C-1B8F-49FC-9B17-B0B346550129}" type="datetimeFigureOut">
               <a:rPr lang="zh-CN" altLang="en-US" smtClean="0"/>
               <a:t>2024/3/10</a:t>
             </a:fld>
@@ -1962,7 +1962,7 @@
           <p:cNvPr id="4" name="页脚占位符 3">
             <a:extLst>
               <a:ext uri="{FF2B5EF4-FFF2-40B4-BE49-F238E27FC236}">
-                <a16:creationId xmlns:a16="http://schemas.microsoft.com/office/drawing/2014/main" id="{2EA8B324-1E62-FC59-485C-AD198926063E}"/>
+                <a16:creationId xmlns:a16="http://schemas.microsoft.com/office/drawing/2014/main" id="{1AC1CE14-878B-F253-5B2F-5D5DCAFA5824}"/>
               </a:ext>
             </a:extLst>
           </p:cNvPr>
@@ -1987,7 +1987,7 @@
           <p:cNvPr id="5" name="灯片编号占位符 4">
             <a:extLst>
               <a:ext uri="{FF2B5EF4-FFF2-40B4-BE49-F238E27FC236}">
-                <a16:creationId xmlns:a16="http://schemas.microsoft.com/office/drawing/2014/main" id="{B2243427-1EA5-3ABD-4873-FCFE8260B46E}"/>
+                <a16:creationId xmlns:a16="http://schemas.microsoft.com/office/drawing/2014/main" id="{5D7DBB0F-E7F1-2636-E053-33C77FB18433}"/>
               </a:ext>
             </a:extLst>
           </p:cNvPr>
@@ -2003,7 +2003,7 @@
           <a:bodyPr/>
           <a:lstStyle/>
           <a:p>
-            <a:fld id="{F83B958D-7B2C-4FAD-9C31-58046C2777B7}" type="slidenum">
+            <a:fld id="{B9F483D4-4BD8-44A4-85A5-B55E473A115E}" type="slidenum">
               <a:rPr lang="zh-CN" altLang="en-US" smtClean="0"/>
               <a:t>‹#›</a:t>
             </a:fld>
@@ -2014,7 +2014,7 @@
     </p:spTree>
     <p:extLst>
       <p:ext uri="{BB962C8B-B14F-4D97-AF65-F5344CB8AC3E}">
-        <p14:creationId xmlns:p14="http://schemas.microsoft.com/office/powerpoint/2010/main" val="3890388328"/>
+        <p14:creationId xmlns:p14="http://schemas.microsoft.com/office/powerpoint/2010/main" val="3583697176"/>
       </p:ext>
     </p:extLst>
   </p:cSld>
@@ -2046,7 +2046,7 @@
           <p:cNvPr id="2" name="日期占位符 1">
             <a:extLst>
               <a:ext uri="{FF2B5EF4-FFF2-40B4-BE49-F238E27FC236}">
-                <a16:creationId xmlns:a16="http://schemas.microsoft.com/office/drawing/2014/main" id="{9D5AC0E7-7F46-5B8E-E412-CCFF25E345F7}"/>
+                <a16:creationId xmlns:a16="http://schemas.microsoft.com/office/drawing/2014/main" id="{B4517DE0-60D3-30A2-E90E-FA4654E84202}"/>
               </a:ext>
             </a:extLst>
           </p:cNvPr>
@@ -2062,7 +2062,7 @@
           <a:bodyPr/>
           <a:lstStyle/>
           <a:p>
-            <a:fld id="{62C3E0CF-8595-4BBD-A0BE-3C9502F5F71F}" type="datetimeFigureOut">
+            <a:fld id="{BA2D159C-1B8F-49FC-9B17-B0B346550129}" type="datetimeFigureOut">
               <a:rPr lang="zh-CN" altLang="en-US" smtClean="0"/>
               <a:t>2024/3/10</a:t>
             </a:fld>
@@ -2075,7 +2075,7 @@
           <p:cNvPr id="3" name="页脚占位符 2">
             <a:extLst>
               <a:ext uri="{FF2B5EF4-FFF2-40B4-BE49-F238E27FC236}">
-                <a16:creationId xmlns:a16="http://schemas.microsoft.com/office/drawing/2014/main" id="{55A2BA9D-BD62-3AFA-17F7-7DFF45012261}"/>
+                <a16:creationId xmlns:a16="http://schemas.microsoft.com/office/drawing/2014/main" id="{FA3DF7F1-250F-3155-3D9A-4186458812E1}"/>
               </a:ext>
             </a:extLst>
           </p:cNvPr>
@@ -2100,7 +2100,7 @@
           <p:cNvPr id="4" name="灯片编号占位符 3">
             <a:extLst>
               <a:ext uri="{FF2B5EF4-FFF2-40B4-BE49-F238E27FC236}">
-                <a16:creationId xmlns:a16="http://schemas.microsoft.com/office/drawing/2014/main" id="{EE9B6A2F-8890-1B9F-D573-FDB98B723702}"/>
+                <a16:creationId xmlns:a16="http://schemas.microsoft.com/office/drawing/2014/main" id="{2A67DD60-C887-DA7D-648D-CB71AD9FD549}"/>
               </a:ext>
             </a:extLst>
           </p:cNvPr>
@@ -2116,7 +2116,7 @@
           <a:bodyPr/>
           <a:lstStyle/>
           <a:p>
-            <a:fld id="{F83B958D-7B2C-4FAD-9C31-58046C2777B7}" type="slidenum">
+            <a:fld id="{B9F483D4-4BD8-44A4-85A5-B55E473A115E}" type="slidenum">
               <a:rPr lang="zh-CN" altLang="en-US" smtClean="0"/>
               <a:t>‹#›</a:t>
             </a:fld>
@@ -2127,7 +2127,7 @@
     </p:spTree>
     <p:extLst>
       <p:ext uri="{BB962C8B-B14F-4D97-AF65-F5344CB8AC3E}">
-        <p14:creationId xmlns:p14="http://schemas.microsoft.com/office/powerpoint/2010/main" val="3112797682"/>
+        <p14:creationId xmlns:p14="http://schemas.microsoft.com/office/powerpoint/2010/main" val="3495601370"/>
       </p:ext>
     </p:extLst>
   </p:cSld>
@@ -2159,7 +2159,7 @@
           <p:cNvPr id="2" name="标题 1">
             <a:extLst>
               <a:ext uri="{FF2B5EF4-FFF2-40B4-BE49-F238E27FC236}">
-                <a16:creationId xmlns:a16="http://schemas.microsoft.com/office/drawing/2014/main" id="{D59B0F3C-91B8-3576-F789-85009EF4B110}"/>
+                <a16:creationId xmlns:a16="http://schemas.microsoft.com/office/drawing/2014/main" id="{389213DC-6997-0417-3B3F-C0DDCE4BFC0F}"/>
               </a:ext>
             </a:extLst>
           </p:cNvPr>
@@ -2196,7 +2196,7 @@
           <p:cNvPr id="3" name="内容占位符 2">
             <a:extLst>
               <a:ext uri="{FF2B5EF4-FFF2-40B4-BE49-F238E27FC236}">
-                <a16:creationId xmlns:a16="http://schemas.microsoft.com/office/drawing/2014/main" id="{DDA7554C-D2A9-BA29-A997-CBEEE3C14F3E}"/>
+                <a16:creationId xmlns:a16="http://schemas.microsoft.com/office/drawing/2014/main" id="{EE6E8A4F-85D5-1A1D-5063-97DFC48D1AB5}"/>
               </a:ext>
             </a:extLst>
           </p:cNvPr>
@@ -2286,7 +2286,7 @@
           <p:cNvPr id="4" name="文本占位符 3">
             <a:extLst>
               <a:ext uri="{FF2B5EF4-FFF2-40B4-BE49-F238E27FC236}">
-                <a16:creationId xmlns:a16="http://schemas.microsoft.com/office/drawing/2014/main" id="{573B99B5-4BCE-7B41-3768-7BB104400425}"/>
+                <a16:creationId xmlns:a16="http://schemas.microsoft.com/office/drawing/2014/main" id="{2FC4EBDF-E747-F404-AFE3-8C90E57EC299}"/>
               </a:ext>
             </a:extLst>
           </p:cNvPr>
@@ -2357,7 +2357,7 @@
           <p:cNvPr id="5" name="日期占位符 4">
             <a:extLst>
               <a:ext uri="{FF2B5EF4-FFF2-40B4-BE49-F238E27FC236}">
-                <a16:creationId xmlns:a16="http://schemas.microsoft.com/office/drawing/2014/main" id="{049224BC-F83D-939F-ED38-70855FB7DA65}"/>
+                <a16:creationId xmlns:a16="http://schemas.microsoft.com/office/drawing/2014/main" id="{E231C336-0BD0-0E7F-F77D-2D5524294F81}"/>
               </a:ext>
             </a:extLst>
           </p:cNvPr>
@@ -2373,7 +2373,7 @@
           <a:bodyPr/>
           <a:lstStyle/>
           <a:p>
-            <a:fld id="{62C3E0CF-8595-4BBD-A0BE-3C9502F5F71F}" type="datetimeFigureOut">
+            <a:fld id="{BA2D159C-1B8F-49FC-9B17-B0B346550129}" type="datetimeFigureOut">
               <a:rPr lang="zh-CN" altLang="en-US" smtClean="0"/>
               <a:t>2024/3/10</a:t>
             </a:fld>
@@ -2386,7 +2386,7 @@
           <p:cNvPr id="6" name="页脚占位符 5">
             <a:extLst>
               <a:ext uri="{FF2B5EF4-FFF2-40B4-BE49-F238E27FC236}">
-                <a16:creationId xmlns:a16="http://schemas.microsoft.com/office/drawing/2014/main" id="{79F4AC3C-F7E8-7BA2-36BC-1F23F32256B5}"/>
+                <a16:creationId xmlns:a16="http://schemas.microsoft.com/office/drawing/2014/main" id="{A58972D3-7CCB-E7FF-44D9-38B49FDCC0CA}"/>
               </a:ext>
             </a:extLst>
           </p:cNvPr>
@@ -2411,7 +2411,7 @@
           <p:cNvPr id="7" name="灯片编号占位符 6">
             <a:extLst>
               <a:ext uri="{FF2B5EF4-FFF2-40B4-BE49-F238E27FC236}">
-                <a16:creationId xmlns:a16="http://schemas.microsoft.com/office/drawing/2014/main" id="{FA563C01-1FDB-A9D0-1DFB-12BC9B701239}"/>
+                <a16:creationId xmlns:a16="http://schemas.microsoft.com/office/drawing/2014/main" id="{A4FE2094-769E-FE1D-1FE7-FCA6EE5FE11A}"/>
               </a:ext>
             </a:extLst>
           </p:cNvPr>
@@ -2427,7 +2427,7 @@
           <a:bodyPr/>
           <a:lstStyle/>
           <a:p>
-            <a:fld id="{F83B958D-7B2C-4FAD-9C31-58046C2777B7}" type="slidenum">
+            <a:fld id="{B9F483D4-4BD8-44A4-85A5-B55E473A115E}" type="slidenum">
               <a:rPr lang="zh-CN" altLang="en-US" smtClean="0"/>
               <a:t>‹#›</a:t>
             </a:fld>
@@ -2438,7 +2438,7 @@
     </p:spTree>
     <p:extLst>
       <p:ext uri="{BB962C8B-B14F-4D97-AF65-F5344CB8AC3E}">
-        <p14:creationId xmlns:p14="http://schemas.microsoft.com/office/powerpoint/2010/main" val="4152117659"/>
+        <p14:creationId xmlns:p14="http://schemas.microsoft.com/office/powerpoint/2010/main" val="1953914133"/>
       </p:ext>
     </p:extLst>
   </p:cSld>
@@ -2470,7 +2470,7 @@
           <p:cNvPr id="2" name="标题 1">
             <a:extLst>
               <a:ext uri="{FF2B5EF4-FFF2-40B4-BE49-F238E27FC236}">
-                <a16:creationId xmlns:a16="http://schemas.microsoft.com/office/drawing/2014/main" id="{91E87800-4B37-E1CF-9644-7B95B5F5E9DD}"/>
+                <a16:creationId xmlns:a16="http://schemas.microsoft.com/office/drawing/2014/main" id="{EA279793-D873-DA57-AA8D-9A136A5C704C}"/>
               </a:ext>
             </a:extLst>
           </p:cNvPr>
@@ -2507,7 +2507,7 @@
           <p:cNvPr id="3" name="图片占位符 2">
             <a:extLst>
               <a:ext uri="{FF2B5EF4-FFF2-40B4-BE49-F238E27FC236}">
-                <a16:creationId xmlns:a16="http://schemas.microsoft.com/office/drawing/2014/main" id="{07A8DCE3-95EF-5DFC-7176-DCA493D7D07F}"/>
+                <a16:creationId xmlns:a16="http://schemas.microsoft.com/office/drawing/2014/main" id="{F98DE546-EF03-CF19-5AD4-0963D6D8FB7C}"/>
               </a:ext>
             </a:extLst>
           </p:cNvPr>
@@ -2574,7 +2574,7 @@
           <p:cNvPr id="4" name="文本占位符 3">
             <a:extLst>
               <a:ext uri="{FF2B5EF4-FFF2-40B4-BE49-F238E27FC236}">
-                <a16:creationId xmlns:a16="http://schemas.microsoft.com/office/drawing/2014/main" id="{01BC0980-1B10-A5EE-5734-F0727214A6BC}"/>
+                <a16:creationId xmlns:a16="http://schemas.microsoft.com/office/drawing/2014/main" id="{C57E0A0C-1FB3-DC78-2684-7EBCF2A9A00F}"/>
               </a:ext>
             </a:extLst>
           </p:cNvPr>
@@ -2645,7 +2645,7 @@
           <p:cNvPr id="5" name="日期占位符 4">
             <a:extLst>
               <a:ext uri="{FF2B5EF4-FFF2-40B4-BE49-F238E27FC236}">
-                <a16:creationId xmlns:a16="http://schemas.microsoft.com/office/drawing/2014/main" id="{CF5A6A4F-E7ED-1061-ACA3-147D499F5EAC}"/>
+                <a16:creationId xmlns:a16="http://schemas.microsoft.com/office/drawing/2014/main" id="{0E2F858C-7FB0-F5BA-7978-C5F786626D59}"/>
               </a:ext>
             </a:extLst>
           </p:cNvPr>
@@ -2661,7 +2661,7 @@
           <a:bodyPr/>
           <a:lstStyle/>
           <a:p>
-            <a:fld id="{62C3E0CF-8595-4BBD-A0BE-3C9502F5F71F}" type="datetimeFigureOut">
+            <a:fld id="{BA2D159C-1B8F-49FC-9B17-B0B346550129}" type="datetimeFigureOut">
               <a:rPr lang="zh-CN" altLang="en-US" smtClean="0"/>
               <a:t>2024/3/10</a:t>
             </a:fld>
@@ -2674,7 +2674,7 @@
           <p:cNvPr id="6" name="页脚占位符 5">
             <a:extLst>
               <a:ext uri="{FF2B5EF4-FFF2-40B4-BE49-F238E27FC236}">
-                <a16:creationId xmlns:a16="http://schemas.microsoft.com/office/drawing/2014/main" id="{3ABCB834-4643-2B20-95A9-58853792B39D}"/>
+                <a16:creationId xmlns:a16="http://schemas.microsoft.com/office/drawing/2014/main" id="{08F0FA45-23AD-F89D-B208-DE40E97C3D55}"/>
               </a:ext>
             </a:extLst>
           </p:cNvPr>
@@ -2699,7 +2699,7 @@
           <p:cNvPr id="7" name="灯片编号占位符 6">
             <a:extLst>
               <a:ext uri="{FF2B5EF4-FFF2-40B4-BE49-F238E27FC236}">
-                <a16:creationId xmlns:a16="http://schemas.microsoft.com/office/drawing/2014/main" id="{4BD9FE05-A61C-7C26-2BF9-7A3AB2420E39}"/>
+                <a16:creationId xmlns:a16="http://schemas.microsoft.com/office/drawing/2014/main" id="{9ECBCECD-46C9-1D58-E630-883D6ABD49F4}"/>
               </a:ext>
             </a:extLst>
           </p:cNvPr>
@@ -2715,7 +2715,7 @@
           <a:bodyPr/>
           <a:lstStyle/>
           <a:p>
-            <a:fld id="{F83B958D-7B2C-4FAD-9C31-58046C2777B7}" type="slidenum">
+            <a:fld id="{B9F483D4-4BD8-44A4-85A5-B55E473A115E}" type="slidenum">
               <a:rPr lang="zh-CN" altLang="en-US" smtClean="0"/>
               <a:t>‹#›</a:t>
             </a:fld>
@@ -2726,7 +2726,7 @@
     </p:spTree>
     <p:extLst>
       <p:ext uri="{BB962C8B-B14F-4D97-AF65-F5344CB8AC3E}">
-        <p14:creationId xmlns:p14="http://schemas.microsoft.com/office/powerpoint/2010/main" val="585991106"/>
+        <p14:creationId xmlns:p14="http://schemas.microsoft.com/office/powerpoint/2010/main" val="2180939964"/>
       </p:ext>
     </p:extLst>
   </p:cSld>
@@ -2763,7 +2763,7 @@
           <p:cNvPr id="2" name="标题占位符 1">
             <a:extLst>
               <a:ext uri="{FF2B5EF4-FFF2-40B4-BE49-F238E27FC236}">
-                <a16:creationId xmlns:a16="http://schemas.microsoft.com/office/drawing/2014/main" id="{AC27B679-B54E-59F3-4213-6559B060569B}"/>
+                <a16:creationId xmlns:a16="http://schemas.microsoft.com/office/drawing/2014/main" id="{DA5FBDE4-8DBD-470F-3750-1C53280EEC45}"/>
               </a:ext>
             </a:extLst>
           </p:cNvPr>
@@ -2801,7 +2801,7 @@
           <p:cNvPr id="3" name="文本占位符 2">
             <a:extLst>
               <a:ext uri="{FF2B5EF4-FFF2-40B4-BE49-F238E27FC236}">
-                <a16:creationId xmlns:a16="http://schemas.microsoft.com/office/drawing/2014/main" id="{261B51B2-5646-250D-3758-376945A2AC26}"/>
+                <a16:creationId xmlns:a16="http://schemas.microsoft.com/office/drawing/2014/main" id="{6C0E63A0-7630-74FF-73F8-8F6DE3E32C90}"/>
               </a:ext>
             </a:extLst>
           </p:cNvPr>
@@ -2868,7 +2868,7 @@
           <p:cNvPr id="4" name="日期占位符 3">
             <a:extLst>
               <a:ext uri="{FF2B5EF4-FFF2-40B4-BE49-F238E27FC236}">
-                <a16:creationId xmlns:a16="http://schemas.microsoft.com/office/drawing/2014/main" id="{462D10C1-BAB0-C8D4-857E-9B9702C46150}"/>
+                <a16:creationId xmlns:a16="http://schemas.microsoft.com/office/drawing/2014/main" id="{49D839C6-963D-3F3C-192E-4D66519BF76F}"/>
               </a:ext>
             </a:extLst>
           </p:cNvPr>
@@ -2902,7 +2902,7 @@
             </a:lvl1pPr>
           </a:lstStyle>
           <a:p>
-            <a:fld id="{62C3E0CF-8595-4BBD-A0BE-3C9502F5F71F}" type="datetimeFigureOut">
+            <a:fld id="{BA2D159C-1B8F-49FC-9B17-B0B346550129}" type="datetimeFigureOut">
               <a:rPr lang="zh-CN" altLang="en-US" smtClean="0"/>
               <a:t>2024/3/10</a:t>
             </a:fld>
@@ -2915,7 +2915,7 @@
           <p:cNvPr id="5" name="页脚占位符 4">
             <a:extLst>
               <a:ext uri="{FF2B5EF4-FFF2-40B4-BE49-F238E27FC236}">
-                <a16:creationId xmlns:a16="http://schemas.microsoft.com/office/drawing/2014/main" id="{F563BFC5-47AE-469D-DB0A-31B50ACEBD3B}"/>
+                <a16:creationId xmlns:a16="http://schemas.microsoft.com/office/drawing/2014/main" id="{D87F9200-D5EB-D91C-6735-0603AFAEE7F7}"/>
               </a:ext>
             </a:extLst>
           </p:cNvPr>
@@ -2958,7 +2958,7 @@
           <p:cNvPr id="6" name="灯片编号占位符 5">
             <a:extLst>
               <a:ext uri="{FF2B5EF4-FFF2-40B4-BE49-F238E27FC236}">
-                <a16:creationId xmlns:a16="http://schemas.microsoft.com/office/drawing/2014/main" id="{1D11AB2D-A280-F942-A1C2-8B7A50FF42A9}"/>
+                <a16:creationId xmlns:a16="http://schemas.microsoft.com/office/drawing/2014/main" id="{74C57B17-0292-1198-C7BA-88412633C09E}"/>
               </a:ext>
             </a:extLst>
           </p:cNvPr>
@@ -2992,7 +2992,7 @@
             </a:lvl1pPr>
           </a:lstStyle>
           <a:p>
-            <a:fld id="{F83B958D-7B2C-4FAD-9C31-58046C2777B7}" type="slidenum">
+            <a:fld id="{B9F483D4-4BD8-44A4-85A5-B55E473A115E}" type="slidenum">
               <a:rPr lang="zh-CN" altLang="en-US" smtClean="0"/>
               <a:t>‹#›</a:t>
             </a:fld>
@@ -3003,7 +3003,7 @@
     </p:spTree>
     <p:extLst>
       <p:ext uri="{BB962C8B-B14F-4D97-AF65-F5344CB8AC3E}">
-        <p14:creationId xmlns:p14="http://schemas.microsoft.com/office/powerpoint/2010/main" val="2221851378"/>
+        <p14:creationId xmlns:p14="http://schemas.microsoft.com/office/powerpoint/2010/main" val="2627629471"/>
       </p:ext>
     </p:extLst>
   </p:cSld>
